--- a/TECNOLOGIAS PARA INTERNET II/SLIDES/TI-2_Aula_05.pptx
+++ b/TECNOLOGIAS PARA INTERNET II/SLIDES/TI-2_Aula_05.pptx
@@ -5,10 +5,10 @@
     <p:sldMasterId id="2147483725" r:id="rId1"/>
   </p:sldMasterIdLst>
   <p:notesMasterIdLst>
-    <p:notesMasterId r:id="rId18"/>
+    <p:notesMasterId r:id="rId19"/>
   </p:notesMasterIdLst>
   <p:handoutMasterIdLst>
-    <p:handoutMasterId r:id="rId19"/>
+    <p:handoutMasterId r:id="rId20"/>
   </p:handoutMasterIdLst>
   <p:sldIdLst>
     <p:sldId id="256" r:id="rId2"/>
@@ -21,12 +21,13 @@
     <p:sldId id="522" r:id="rId9"/>
     <p:sldId id="525" r:id="rId10"/>
     <p:sldId id="523" r:id="rId11"/>
-    <p:sldId id="506" r:id="rId12"/>
-    <p:sldId id="516" r:id="rId13"/>
-    <p:sldId id="517" r:id="rId14"/>
-    <p:sldId id="505" r:id="rId15"/>
-    <p:sldId id="518" r:id="rId16"/>
-    <p:sldId id="524" r:id="rId17"/>
+    <p:sldId id="526" r:id="rId12"/>
+    <p:sldId id="506" r:id="rId13"/>
+    <p:sldId id="516" r:id="rId14"/>
+    <p:sldId id="517" r:id="rId15"/>
+    <p:sldId id="505" r:id="rId16"/>
+    <p:sldId id="518" r:id="rId17"/>
+    <p:sldId id="524" r:id="rId18"/>
   </p:sldIdLst>
   <p:sldSz cx="12192000" cy="6858000"/>
   <p:notesSz cx="9144000" cy="6858000"/>
@@ -227,7 +228,7 @@
           <a:p>
             <a:fld id="{0D6042A3-0B4D-4B7E-B5DF-C74B5157F851}" type="datetimeFigureOut">
               <a:rPr lang="pt-BR" smtClean="0"/>
-              <a:t>10/03/2019</a:t>
+              <a:t>10/05/2019</a:t>
             </a:fld>
             <a:endParaRPr lang="pt-BR"/>
           </a:p>
@@ -404,7 +405,7 @@
           <a:p>
             <a:fld id="{C8D94D05-F877-4447-A135-C5020AC71E43}" type="datetimeFigureOut">
               <a:rPr lang="pt-BR" smtClean="0"/>
-              <a:t>10/03/2019</a:t>
+              <a:t>10/05/2019</a:t>
             </a:fld>
             <a:endParaRPr lang="pt-BR"/>
           </a:p>
@@ -755,6 +756,117 @@
 </p:notes>
 </file>
 
+<file path=ppt/notesSlides/notesSlide10.xml><?xml version="1.0" encoding="utf-8"?>
+<p:notes xmlns:a="http://schemas.openxmlformats.org/drawingml/2006/main" xmlns:r="http://schemas.openxmlformats.org/officeDocument/2006/relationships" xmlns:p="http://schemas.openxmlformats.org/presentationml/2006/main">
+  <p:cSld>
+    <p:spTree>
+      <p:nvGrpSpPr>
+        <p:cNvPr id="1" name=""/>
+        <p:cNvGrpSpPr/>
+        <p:nvPr/>
+      </p:nvGrpSpPr>
+      <p:grpSpPr>
+        <a:xfrm>
+          <a:off x="0" y="0"/>
+          <a:ext cx="0" cy="0"/>
+          <a:chOff x="0" y="0"/>
+          <a:chExt cx="0" cy="0"/>
+        </a:xfrm>
+      </p:grpSpPr>
+      <p:sp>
+        <p:nvSpPr>
+          <p:cNvPr id="4" name="Rectangle 8">
+            <a:extLst>
+              <a:ext uri="{FF2B5EF4-FFF2-40B4-BE49-F238E27FC236}">
+                <a16:creationId xmlns:a16="http://schemas.microsoft.com/office/drawing/2014/main" id="{8042CB19-B3F1-4F4D-909A-647BD612000D}"/>
+              </a:ext>
+            </a:extLst>
+          </p:cNvPr>
+          <p:cNvSpPr>
+            <a:spLocks noGrp="1" noChangeArrowheads="1"/>
+          </p:cNvSpPr>
+          <p:nvPr>
+            <p:ph type="sldNum" sz="quarter" idx="5"/>
+          </p:nvPr>
+        </p:nvSpPr>
+        <p:spPr>
+          <a:ln/>
+        </p:spPr>
+        <p:txBody>
+          <a:bodyPr/>
+          <a:lstStyle/>
+          <a:p>
+            <a:fld id="{8D4C700F-416C-44D6-BABB-FF6CDEBD4D71}" type="slidenum">
+              <a:rPr lang="es-ES_tradnl" altLang="pt-BR"/>
+              <a:pPr/>
+              <a:t>11</a:t>
+            </a:fld>
+            <a:endParaRPr lang="es-ES_tradnl" altLang="pt-BR"/>
+          </a:p>
+        </p:txBody>
+      </p:sp>
+      <p:sp>
+        <p:nvSpPr>
+          <p:cNvPr id="305154" name="Rectangle 2">
+            <a:extLst>
+              <a:ext uri="{FF2B5EF4-FFF2-40B4-BE49-F238E27FC236}">
+                <a16:creationId xmlns:a16="http://schemas.microsoft.com/office/drawing/2014/main" id="{E64554E1-3676-40B2-B414-352F515B84FC}"/>
+              </a:ext>
+            </a:extLst>
+          </p:cNvPr>
+          <p:cNvSpPr>
+            <a:spLocks noGrp="1" noRot="1" noChangeAspect="1" noChangeArrowheads="1" noTextEdit="1"/>
+          </p:cNvSpPr>
+          <p:nvPr>
+            <p:ph type="sldImg"/>
+          </p:nvPr>
+        </p:nvSpPr>
+        <p:spPr>
+          <a:xfrm>
+            <a:off x="869950" y="762000"/>
+            <a:ext cx="5040313" cy="2836863"/>
+          </a:xfrm>
+          <a:ln/>
+        </p:spPr>
+      </p:sp>
+      <p:sp>
+        <p:nvSpPr>
+          <p:cNvPr id="305155" name="Rectangle 3">
+            <a:extLst>
+              <a:ext uri="{FF2B5EF4-FFF2-40B4-BE49-F238E27FC236}">
+                <a16:creationId xmlns:a16="http://schemas.microsoft.com/office/drawing/2014/main" id="{D4F5EC93-74A7-4292-969D-5D78DD9F82CD}"/>
+              </a:ext>
+            </a:extLst>
+          </p:cNvPr>
+          <p:cNvSpPr>
+            <a:spLocks noGrp="1" noChangeArrowheads="1"/>
+          </p:cNvSpPr>
+          <p:nvPr>
+            <p:ph type="body" idx="1"/>
+          </p:nvPr>
+        </p:nvSpPr>
+        <p:spPr/>
+        <p:txBody>
+          <a:bodyPr/>
+          <a:lstStyle/>
+          <a:p>
+            <a:endParaRPr lang="es-ES_tradnl" altLang="pt-BR"/>
+          </a:p>
+        </p:txBody>
+      </p:sp>
+    </p:spTree>
+    <p:extLst>
+      <p:ext uri="{BB962C8B-B14F-4D97-AF65-F5344CB8AC3E}">
+        <p14:creationId xmlns:p14="http://schemas.microsoft.com/office/powerpoint/2010/main" val="2519420632"/>
+      </p:ext>
+    </p:extLst>
+  </p:cSld>
+  <p:clrMapOvr>
+    <a:masterClrMapping/>
+  </p:clrMapOvr>
+</p:notes>
+</file>
+
 <file path=ppt/notesSlides/notesSlide2.xml><?xml version="1.0" encoding="utf-8"?>
 <p:notes xmlns:a="http://schemas.openxmlformats.org/drawingml/2006/main" xmlns:r="http://schemas.openxmlformats.org/officeDocument/2006/relationships" xmlns:p="http://schemas.openxmlformats.org/presentationml/2006/main">
   <p:cSld>
@@ -1758,7 +1870,7 @@
           <a:p>
             <a:fld id="{DDA311FA-82EF-42D6-8BA2-B5028F90DB2F}" type="datetime1">
               <a:rPr lang="pt-BR" smtClean="0"/>
-              <a:t>10/03/2019</a:t>
+              <a:t>10/05/2019</a:t>
             </a:fld>
             <a:endParaRPr lang="pt-BR"/>
           </a:p>
@@ -1932,7 +2044,7 @@
           <a:p>
             <a:fld id="{8BB151B1-8487-4414-A1E2-2A9A855BB90A}" type="datetime1">
               <a:rPr lang="pt-BR" smtClean="0"/>
-              <a:t>10/03/2019</a:t>
+              <a:t>10/05/2019</a:t>
             </a:fld>
             <a:endParaRPr lang="pt-BR"/>
           </a:p>
@@ -2115,7 +2227,7 @@
           <a:p>
             <a:fld id="{DCF529DE-280C-4EC9-B77D-1798208A1480}" type="datetime1">
               <a:rPr lang="pt-BR" smtClean="0"/>
-              <a:t>10/03/2019</a:t>
+              <a:t>10/05/2019</a:t>
             </a:fld>
             <a:endParaRPr lang="pt-BR"/>
           </a:p>
@@ -2288,7 +2400,7 @@
           <a:p>
             <a:fld id="{DFC0EABB-52F3-42B2-AA22-8F4450C20CFE}" type="datetime1">
               <a:rPr lang="pt-BR" smtClean="0"/>
-              <a:t>10/03/2019</a:t>
+              <a:t>10/05/2019</a:t>
             </a:fld>
             <a:endParaRPr lang="pt-BR"/>
           </a:p>
@@ -2543,7 +2655,7 @@
           <a:p>
             <a:fld id="{A0FA48D1-CE44-4314-BA7F-E5E194EA42A2}" type="datetime1">
               <a:rPr lang="pt-BR" smtClean="0"/>
-              <a:t>10/03/2019</a:t>
+              <a:t>10/05/2019</a:t>
             </a:fld>
             <a:endParaRPr lang="pt-BR"/>
           </a:p>
@@ -2779,7 +2891,7 @@
           <a:p>
             <a:fld id="{EEF545AF-4C23-4E31-AACE-3DEB1D1D41D0}" type="datetime1">
               <a:rPr lang="pt-BR" smtClean="0"/>
-              <a:t>10/03/2019</a:t>
+              <a:t>10/05/2019</a:t>
             </a:fld>
             <a:endParaRPr lang="pt-BR"/>
           </a:p>
@@ -3130,7 +3242,7 @@
           <a:p>
             <a:fld id="{AE20F753-E421-4B36-AD36-AD23BA1BDA27}" type="datetime1">
               <a:rPr lang="pt-BR" smtClean="0"/>
-              <a:t>10/03/2019</a:t>
+              <a:t>10/05/2019</a:t>
             </a:fld>
             <a:endParaRPr lang="pt-BR"/>
           </a:p>
@@ -3252,7 +3364,7 @@
           <a:p>
             <a:fld id="{DD4BCC76-8174-4D19-96CE-4132C189C455}" type="datetime1">
               <a:rPr lang="pt-BR" smtClean="0"/>
-              <a:t>10/03/2019</a:t>
+              <a:t>10/05/2019</a:t>
             </a:fld>
             <a:endParaRPr lang="pt-BR"/>
           </a:p>
@@ -3374,7 +3486,7 @@
           <a:p>
             <a:fld id="{A7243320-67A1-405F-9534-AA4F204A5176}" type="datetime1">
               <a:rPr lang="pt-BR" smtClean="0"/>
-              <a:t>10/03/2019</a:t>
+              <a:t>10/05/2019</a:t>
             </a:fld>
             <a:endParaRPr lang="pt-BR"/>
           </a:p>
@@ -3661,7 +3773,7 @@
           <a:p>
             <a:fld id="{482A4476-8DCA-4F22-9B3E-2415738BEF45}" type="datetime1">
               <a:rPr lang="pt-BR" smtClean="0"/>
-              <a:t>10/03/2019</a:t>
+              <a:t>10/05/2019</a:t>
             </a:fld>
             <a:endParaRPr lang="pt-BR"/>
           </a:p>
@@ -3928,7 +4040,7 @@
           <a:p>
             <a:fld id="{CDFA6B25-55FF-41C9-8DBB-00354B6F6A8E}" type="datetime1">
               <a:rPr lang="pt-BR" smtClean="0"/>
-              <a:t>10/03/2019</a:t>
+              <a:t>10/05/2019</a:t>
             </a:fld>
             <a:endParaRPr lang="pt-BR"/>
           </a:p>
@@ -4145,7 +4257,7 @@
           <a:p>
             <a:fld id="{1F64BC04-CFE1-4E67-ABE4-C17F7F3E20EF}" type="datetime1">
               <a:rPr lang="pt-BR" smtClean="0"/>
-              <a:t>10/03/2019</a:t>
+              <a:t>10/05/2019</a:t>
             </a:fld>
             <a:endParaRPr lang="pt-BR"/>
           </a:p>
@@ -4941,7 +5053,7 @@
           <a:p>
             <a:fld id="{3D79C721-C921-4175-8BCF-DFF9FE942864}" type="datetime1">
               <a:rPr lang="pt-BR" smtClean="0"/>
-              <a:t>10/03/2019</a:t>
+              <a:t>10/05/2019</a:t>
             </a:fld>
             <a:endParaRPr lang="pt-BR"/>
           </a:p>
@@ -5266,21 +5378,26 @@
       </p:grpSpPr>
       <p:sp>
         <p:nvSpPr>
-          <p:cNvPr id="9218" name="Rectangle 2">
-            <a:extLst>
-              <a:ext uri="{FF2B5EF4-FFF2-40B4-BE49-F238E27FC236}">
-                <a16:creationId xmlns:a16="http://schemas.microsoft.com/office/drawing/2014/main" id="{2C2A51A3-03C7-4D88-81F9-9B524045BD81}"/>
-              </a:ext>
-            </a:extLst>
-          </p:cNvPr>
-          <p:cNvSpPr>
-            <a:spLocks noGrp="1" noRot="1" noChangeArrowheads="1"/>
+          <p:cNvPr id="304130" name="Rectangle 2">
+            <a:extLst>
+              <a:ext uri="{FF2B5EF4-FFF2-40B4-BE49-F238E27FC236}">
+                <a16:creationId xmlns:a16="http://schemas.microsoft.com/office/drawing/2014/main" id="{7B505F29-54B3-4564-BF6A-A857020D55D5}"/>
+              </a:ext>
+            </a:extLst>
+          </p:cNvPr>
+          <p:cNvSpPr>
+            <a:spLocks noGrp="1" noChangeArrowheads="1"/>
           </p:cNvSpPr>
           <p:nvPr>
             <p:ph type="title"/>
           </p:nvPr>
         </p:nvSpPr>
-        <p:spPr/>
+        <p:spPr>
+          <a:xfrm>
+            <a:off x="838200" y="85103"/>
+            <a:ext cx="10515600" cy="1325562"/>
+          </a:xfrm>
+        </p:spPr>
         <p:txBody>
           <a:bodyPr>
             <a:normAutofit/>
@@ -5288,7 +5405,7 @@
           <a:lstStyle/>
           <a:p>
             <a:r>
-              <a:rPr lang="en-US" sz="4000" b="1" i="1" dirty="0">
+              <a:rPr lang="en-US" b="1" i="1" dirty="0">
                 <a:solidFill>
                   <a:srgbClr val="6600FF"/>
                 </a:solidFill>
@@ -5303,34 +5420,46 @@
               <a:t>TECNOLOGIAS PARA INTERNET - II</a:t>
             </a:r>
             <a:br>
-              <a:rPr lang="en-US" sz="4000" dirty="0"/>
+              <a:rPr lang="en-US" dirty="0"/>
             </a:br>
             <a:r>
-              <a:rPr lang="en-US" sz="4000" dirty="0"/>
-              <a:t>PHP – </a:t>
-            </a:r>
-            <a:r>
-              <a:rPr lang="en-US" sz="4000" dirty="0" err="1"/>
-              <a:t>Inicializar</a:t>
-            </a:r>
-            <a:r>
-              <a:rPr lang="en-US" sz="4000" dirty="0"/>
-              <a:t> PHP no </a:t>
-            </a:r>
-            <a:r>
-              <a:rPr lang="en-US" sz="4000" dirty="0" err="1"/>
-              <a:t>Servidor</a:t>
-            </a:r>
-            <a:endParaRPr lang="tr-TR" altLang="pt-BR" sz="4000" dirty="0"/>
-          </a:p>
-        </p:txBody>
-      </p:sp>
-      <p:sp>
-        <p:nvSpPr>
-          <p:cNvPr id="2" name="Espaço Reservado para Data 1">
-            <a:extLst>
-              <a:ext uri="{FF2B5EF4-FFF2-40B4-BE49-F238E27FC236}">
-                <a16:creationId xmlns:a16="http://schemas.microsoft.com/office/drawing/2014/main" id="{CA5D9241-6779-43DA-9738-602D9E2FDFC1}"/>
+              <a:rPr lang="en-US" dirty="0">
+                <a:solidFill>
+                  <a:srgbClr val="6600FF"/>
+                </a:solidFill>
+              </a:rPr>
+              <a:t>PHP</a:t>
+            </a:r>
+            <a:r>
+              <a:rPr lang="en-US" dirty="0"/>
+              <a:t> – </a:t>
+            </a:r>
+            <a:r>
+              <a:rPr lang="en-US" dirty="0" err="1"/>
+              <a:t>Variáveis</a:t>
+            </a:r>
+            <a:r>
+              <a:rPr lang="en-US" dirty="0"/>
+              <a:t> </a:t>
+            </a:r>
+            <a:r>
+              <a:rPr lang="en-US" dirty="0" err="1"/>
+              <a:t>em</a:t>
+            </a:r>
+            <a:r>
+              <a:rPr lang="en-US" dirty="0"/>
+              <a:t> Strings</a:t>
+            </a:r>
+            <a:endParaRPr lang="es-ES_tradnl" altLang="pt-BR" dirty="0"/>
+          </a:p>
+        </p:txBody>
+      </p:sp>
+      <p:sp>
+        <p:nvSpPr>
+          <p:cNvPr id="4" name="Espaço Reservado para Data 3">
+            <a:extLst>
+              <a:ext uri="{FF2B5EF4-FFF2-40B4-BE49-F238E27FC236}">
+                <a16:creationId xmlns:a16="http://schemas.microsoft.com/office/drawing/2014/main" id="{AA878FC1-C5B7-4669-95D3-2A90BF62AADD}"/>
               </a:ext>
             </a:extLst>
           </p:cNvPr>
@@ -5346,9 +5475,9 @@
           <a:bodyPr/>
           <a:lstStyle/>
           <a:p>
-            <a:fld id="{9BF740CF-2981-4F5F-94B0-87A76F3E9898}" type="datetime1">
+            <a:fld id="{3D79C721-C921-4175-8BCF-DFF9FE942864}" type="datetime1">
               <a:rPr lang="pt-BR" smtClean="0"/>
-              <a:t>10/03/2019</a:t>
+              <a:t>10/05/2019</a:t>
             </a:fld>
             <a:endParaRPr lang="pt-BR"/>
           </a:p>
@@ -5356,10 +5485,10 @@
       </p:sp>
       <p:sp>
         <p:nvSpPr>
-          <p:cNvPr id="3" name="Espaço Reservado para Rodapé 2">
-            <a:extLst>
-              <a:ext uri="{FF2B5EF4-FFF2-40B4-BE49-F238E27FC236}">
-                <a16:creationId xmlns:a16="http://schemas.microsoft.com/office/drawing/2014/main" id="{37AA3B48-AC65-4151-B1C9-DF3717B580F5}"/>
+          <p:cNvPr id="5" name="Espaço Reservado para Rodapé 4">
+            <a:extLst>
+              <a:ext uri="{FF2B5EF4-FFF2-40B4-BE49-F238E27FC236}">
+                <a16:creationId xmlns:a16="http://schemas.microsoft.com/office/drawing/2014/main" id="{6373A092-48F0-490B-B7FA-0A8BF66DF19D}"/>
               </a:ext>
             </a:extLst>
           </p:cNvPr>
@@ -5376,19 +5505,18 @@
           <a:lstStyle/>
           <a:p>
             <a:r>
-              <a:rPr lang="pt-BR"/>
+              <a:rPr lang="pt-BR" dirty="0"/>
               <a:t>Tecnologias para Internet - II  -  Prof.  André L. Braga</a:t>
             </a:r>
-            <a:endParaRPr lang="pt-BR" dirty="0"/>
-          </a:p>
-        </p:txBody>
-      </p:sp>
-      <p:sp>
-        <p:nvSpPr>
-          <p:cNvPr id="4" name="Espaço Reservado para Número de Slide 3">
-            <a:extLst>
-              <a:ext uri="{FF2B5EF4-FFF2-40B4-BE49-F238E27FC236}">
-                <a16:creationId xmlns:a16="http://schemas.microsoft.com/office/drawing/2014/main" id="{9C55F005-6AC6-4A94-8953-F77E82F74A86}"/>
+          </a:p>
+        </p:txBody>
+      </p:sp>
+      <p:sp>
+        <p:nvSpPr>
+          <p:cNvPr id="6" name="Espaço Reservado para Número de Slide 5">
+            <a:extLst>
+              <a:ext uri="{FF2B5EF4-FFF2-40B4-BE49-F238E27FC236}">
+                <a16:creationId xmlns:a16="http://schemas.microsoft.com/office/drawing/2014/main" id="{9E9B8146-1BA5-482E-A510-1C368A2D7C6F}"/>
               </a:ext>
             </a:extLst>
           </p:cNvPr>
@@ -5407,6 +5535,432 @@
             <a:fld id="{733E8BE4-D61F-4D52-A9A4-24AB47FC0B80}" type="slidenum">
               <a:rPr lang="pt-BR" smtClean="0"/>
               <a:t>11</a:t>
+            </a:fld>
+            <a:endParaRPr lang="pt-BR"/>
+          </a:p>
+        </p:txBody>
+      </p:sp>
+      <p:pic>
+        <p:nvPicPr>
+          <p:cNvPr id="2" name="Imagem 1">
+            <a:extLst>
+              <a:ext uri="{FF2B5EF4-FFF2-40B4-BE49-F238E27FC236}">
+                <a16:creationId xmlns:a16="http://schemas.microsoft.com/office/drawing/2014/main" id="{EDD579BA-CEE7-4711-9351-615929F42A3F}"/>
+              </a:ext>
+            </a:extLst>
+          </p:cNvPr>
+          <p:cNvPicPr>
+            <a:picLocks noChangeAspect="1"/>
+          </p:cNvPicPr>
+          <p:nvPr/>
+        </p:nvPicPr>
+        <p:blipFill>
+          <a:blip r:embed="rId3"/>
+          <a:stretch>
+            <a:fillRect/>
+          </a:stretch>
+        </p:blipFill>
+        <p:spPr>
+          <a:xfrm>
+            <a:off x="304725" y="3129606"/>
+            <a:ext cx="9881904" cy="3226744"/>
+          </a:xfrm>
+          <a:prstGeom prst="rect">
+            <a:avLst/>
+          </a:prstGeom>
+          <a:solidFill>
+            <a:srgbClr val="FFFFFF">
+              <a:shade val="85000"/>
+            </a:srgbClr>
+          </a:solidFill>
+          <a:ln w="88900" cap="sq">
+            <a:solidFill>
+              <a:srgbClr val="FFFFFF"/>
+            </a:solidFill>
+            <a:miter lim="800000"/>
+          </a:ln>
+          <a:effectLst>
+            <a:outerShdw blurRad="55000" dist="18000" dir="5400000" algn="tl" rotWithShape="0">
+              <a:srgbClr val="000000">
+                <a:alpha val="40000"/>
+              </a:srgbClr>
+            </a:outerShdw>
+          </a:effectLst>
+          <a:scene3d>
+            <a:camera prst="orthographicFront"/>
+            <a:lightRig rig="twoPt" dir="t">
+              <a:rot lat="0" lon="0" rev="7200000"/>
+            </a:lightRig>
+          </a:scene3d>
+          <a:sp3d>
+            <a:bevelT w="25400" h="19050"/>
+            <a:contourClr>
+              <a:srgbClr val="FFFFFF"/>
+            </a:contourClr>
+          </a:sp3d>
+        </p:spPr>
+      </p:pic>
+      <p:pic>
+        <p:nvPicPr>
+          <p:cNvPr id="3" name="Imagem 2">
+            <a:extLst>
+              <a:ext uri="{FF2B5EF4-FFF2-40B4-BE49-F238E27FC236}">
+                <a16:creationId xmlns:a16="http://schemas.microsoft.com/office/drawing/2014/main" id="{EDAB9379-EFBC-4349-A6A8-6F8B46116D8C}"/>
+              </a:ext>
+            </a:extLst>
+          </p:cNvPr>
+          <p:cNvPicPr>
+            <a:picLocks noChangeAspect="1"/>
+          </p:cNvPicPr>
+          <p:nvPr/>
+        </p:nvPicPr>
+        <p:blipFill>
+          <a:blip r:embed="rId4"/>
+          <a:stretch>
+            <a:fillRect/>
+          </a:stretch>
+        </p:blipFill>
+        <p:spPr>
+          <a:xfrm>
+            <a:off x="6773316" y="2077850"/>
+            <a:ext cx="5333998" cy="2456050"/>
+          </a:xfrm>
+          <a:prstGeom prst="rect">
+            <a:avLst/>
+          </a:prstGeom>
+          <a:ln>
+            <a:noFill/>
+          </a:ln>
+          <a:effectLst>
+            <a:outerShdw blurRad="190500" algn="tl" rotWithShape="0">
+              <a:srgbClr val="000000">
+                <a:alpha val="70000"/>
+              </a:srgbClr>
+            </a:outerShdw>
+          </a:effectLst>
+        </p:spPr>
+      </p:pic>
+      <p:sp>
+        <p:nvSpPr>
+          <p:cNvPr id="10" name="Retângulo 9">
+            <a:extLst>
+              <a:ext uri="{FF2B5EF4-FFF2-40B4-BE49-F238E27FC236}">
+                <a16:creationId xmlns:a16="http://schemas.microsoft.com/office/drawing/2014/main" id="{AE91774E-B1CE-414A-B4AD-C12D7F530462}"/>
+              </a:ext>
+            </a:extLst>
+          </p:cNvPr>
+          <p:cNvSpPr/>
+          <p:nvPr/>
+        </p:nvSpPr>
+        <p:spPr>
+          <a:xfrm>
+            <a:off x="642938" y="1328962"/>
+            <a:ext cx="7043737" cy="2185214"/>
+          </a:xfrm>
+          <a:prstGeom prst="rect">
+            <a:avLst/>
+          </a:prstGeom>
+        </p:spPr>
+        <p:txBody>
+          <a:bodyPr wrap="square">
+            <a:spAutoFit/>
+          </a:bodyPr>
+          <a:lstStyle/>
+          <a:p>
+            <a:pPr marL="285750" indent="-285750">
+              <a:buFont typeface="Arial" panose="020B0604020202020204" pitchFamily="34" charset="0"/>
+              <a:buChar char="•"/>
+            </a:pPr>
+            <a:r>
+              <a:rPr lang="en-US" sz="3200" b="1" dirty="0"/>
+              <a:t>EM PHP  o </a:t>
+            </a:r>
+            <a:r>
+              <a:rPr lang="en-US" sz="3200" b="1" dirty="0" err="1"/>
+              <a:t>caracter</a:t>
+            </a:r>
+            <a:r>
+              <a:rPr lang="en-US" sz="3200" b="1" dirty="0"/>
+              <a:t>  </a:t>
+            </a:r>
+            <a:r>
+              <a:rPr lang="en-US" sz="4000" b="1" dirty="0">
+                <a:solidFill>
+                  <a:srgbClr val="6600FF"/>
+                </a:solidFill>
+              </a:rPr>
+              <a:t>$ </a:t>
+            </a:r>
+            <a:r>
+              <a:rPr lang="en-US" sz="3200" b="1" dirty="0"/>
+              <a:t> é </a:t>
+            </a:r>
+            <a:r>
+              <a:rPr lang="en-US" sz="3200" b="1" dirty="0" err="1"/>
+              <a:t>reconhecido</a:t>
+            </a:r>
+            <a:r>
+              <a:rPr lang="en-US" sz="3200" b="1" dirty="0"/>
+              <a:t> dentro da string </a:t>
+            </a:r>
+            <a:r>
+              <a:rPr lang="en-US" sz="3200" b="1" dirty="0" err="1"/>
+              <a:t>como</a:t>
+            </a:r>
+            <a:r>
+              <a:rPr lang="en-US" sz="3200" b="1" dirty="0"/>
+              <a:t> especial e define o que segue </a:t>
+            </a:r>
+            <a:r>
+              <a:rPr lang="en-US" sz="3200" b="1" dirty="0" err="1"/>
+              <a:t>como</a:t>
+            </a:r>
+            <a:r>
+              <a:rPr lang="en-US" sz="3200" b="1" dirty="0"/>
+              <a:t> </a:t>
+            </a:r>
+            <a:r>
+              <a:rPr lang="en-US" sz="3200" b="1" dirty="0" err="1"/>
+              <a:t>variável</a:t>
+            </a:r>
+            <a:endParaRPr lang="en-US" sz="3200" dirty="0"/>
+          </a:p>
+          <a:p>
+            <a:pPr marL="285750" indent="-285750">
+              <a:buFont typeface="Arial" panose="020B0604020202020204" pitchFamily="34" charset="0"/>
+              <a:buChar char="•"/>
+            </a:pPr>
+            <a:endParaRPr lang="en-US" sz="3200" b="1" dirty="0"/>
+          </a:p>
+        </p:txBody>
+      </p:sp>
+      <p:sp>
+        <p:nvSpPr>
+          <p:cNvPr id="8" name="Balão de Fala: Oval 7">
+            <a:extLst>
+              <a:ext uri="{FF2B5EF4-FFF2-40B4-BE49-F238E27FC236}">
+                <a16:creationId xmlns:a16="http://schemas.microsoft.com/office/drawing/2014/main" id="{94CF77A2-0149-486D-9F1D-2D41163E58DC}"/>
+              </a:ext>
+            </a:extLst>
+          </p:cNvPr>
+          <p:cNvSpPr/>
+          <p:nvPr/>
+        </p:nvSpPr>
+        <p:spPr>
+          <a:xfrm>
+            <a:off x="8239125" y="4981575"/>
+            <a:ext cx="1885950" cy="628650"/>
+          </a:xfrm>
+          <a:prstGeom prst="wedgeEllipseCallout">
+            <a:avLst>
+              <a:gd name="adj1" fmla="val -264772"/>
+              <a:gd name="adj2" fmla="val -152652"/>
+            </a:avLst>
+          </a:prstGeom>
+          <a:noFill/>
+          <a:ln w="28575"/>
+        </p:spPr>
+        <p:style>
+          <a:lnRef idx="2">
+            <a:schemeClr val="accent1">
+              <a:shade val="50000"/>
+            </a:schemeClr>
+          </a:lnRef>
+          <a:fillRef idx="1">
+            <a:schemeClr val="accent1"/>
+          </a:fillRef>
+          <a:effectRef idx="0">
+            <a:schemeClr val="accent1"/>
+          </a:effectRef>
+          <a:fontRef idx="minor">
+            <a:schemeClr val="lt1"/>
+          </a:fontRef>
+        </p:style>
+        <p:txBody>
+          <a:bodyPr rtlCol="0" anchor="ctr"/>
+          <a:lstStyle/>
+          <a:p>
+            <a:pPr algn="ctr"/>
+            <a:endParaRPr lang="pt-BR"/>
+          </a:p>
+        </p:txBody>
+      </p:sp>
+    </p:spTree>
+    <p:extLst>
+      <p:ext uri="{BB962C8B-B14F-4D97-AF65-F5344CB8AC3E}">
+        <p14:creationId xmlns:p14="http://schemas.microsoft.com/office/powerpoint/2010/main" val="963108941"/>
+      </p:ext>
+    </p:extLst>
+  </p:cSld>
+  <p:clrMapOvr>
+    <a:masterClrMapping/>
+  </p:clrMapOvr>
+  <p:transition spd="med">
+    <p:strips dir="rd"/>
+  </p:transition>
+</p:sld>
+</file>
+
+<file path=ppt/slides/slide12.xml><?xml version="1.0" encoding="utf-8"?>
+<p:sld xmlns:a="http://schemas.openxmlformats.org/drawingml/2006/main" xmlns:r="http://schemas.openxmlformats.org/officeDocument/2006/relationships" xmlns:p="http://schemas.openxmlformats.org/presentationml/2006/main">
+  <p:cSld>
+    <p:spTree>
+      <p:nvGrpSpPr>
+        <p:cNvPr id="1" name=""/>
+        <p:cNvGrpSpPr/>
+        <p:nvPr/>
+      </p:nvGrpSpPr>
+      <p:grpSpPr>
+        <a:xfrm>
+          <a:off x="0" y="0"/>
+          <a:ext cx="0" cy="0"/>
+          <a:chOff x="0" y="0"/>
+          <a:chExt cx="0" cy="0"/>
+        </a:xfrm>
+      </p:grpSpPr>
+      <p:sp>
+        <p:nvSpPr>
+          <p:cNvPr id="9218" name="Rectangle 2">
+            <a:extLst>
+              <a:ext uri="{FF2B5EF4-FFF2-40B4-BE49-F238E27FC236}">
+                <a16:creationId xmlns:a16="http://schemas.microsoft.com/office/drawing/2014/main" id="{2C2A51A3-03C7-4D88-81F9-9B524045BD81}"/>
+              </a:ext>
+            </a:extLst>
+          </p:cNvPr>
+          <p:cNvSpPr>
+            <a:spLocks noGrp="1" noRot="1" noChangeArrowheads="1"/>
+          </p:cNvSpPr>
+          <p:nvPr>
+            <p:ph type="title"/>
+          </p:nvPr>
+        </p:nvSpPr>
+        <p:spPr/>
+        <p:txBody>
+          <a:bodyPr>
+            <a:normAutofit/>
+          </a:bodyPr>
+          <a:lstStyle/>
+          <a:p>
+            <a:r>
+              <a:rPr lang="en-US" sz="4000" b="1" i="1" dirty="0">
+                <a:solidFill>
+                  <a:srgbClr val="6600FF"/>
+                </a:solidFill>
+                <a:effectLst>
+                  <a:outerShdw blurRad="38100" dist="38100" dir="2700000" algn="tl">
+                    <a:srgbClr val="000000">
+                      <a:alpha val="43137"/>
+                    </a:srgbClr>
+                  </a:outerShdw>
+                </a:effectLst>
+              </a:rPr>
+              <a:t>TECNOLOGIAS PARA INTERNET - II</a:t>
+            </a:r>
+            <a:br>
+              <a:rPr lang="en-US" sz="4000" dirty="0"/>
+            </a:br>
+            <a:r>
+              <a:rPr lang="en-US" sz="4000" dirty="0"/>
+              <a:t>PHP – </a:t>
+            </a:r>
+            <a:r>
+              <a:rPr lang="en-US" sz="4000" dirty="0" err="1"/>
+              <a:t>Inicializar</a:t>
+            </a:r>
+            <a:r>
+              <a:rPr lang="en-US" sz="4000" dirty="0"/>
+              <a:t> PHP no </a:t>
+            </a:r>
+            <a:r>
+              <a:rPr lang="en-US" sz="4000" dirty="0" err="1"/>
+              <a:t>Servidor</a:t>
+            </a:r>
+            <a:endParaRPr lang="tr-TR" altLang="pt-BR" sz="4000" dirty="0"/>
+          </a:p>
+        </p:txBody>
+      </p:sp>
+      <p:sp>
+        <p:nvSpPr>
+          <p:cNvPr id="2" name="Espaço Reservado para Data 1">
+            <a:extLst>
+              <a:ext uri="{FF2B5EF4-FFF2-40B4-BE49-F238E27FC236}">
+                <a16:creationId xmlns:a16="http://schemas.microsoft.com/office/drawing/2014/main" id="{CA5D9241-6779-43DA-9738-602D9E2FDFC1}"/>
+              </a:ext>
+            </a:extLst>
+          </p:cNvPr>
+          <p:cNvSpPr>
+            <a:spLocks noGrp="1"/>
+          </p:cNvSpPr>
+          <p:nvPr>
+            <p:ph type="dt" sz="half" idx="10"/>
+          </p:nvPr>
+        </p:nvSpPr>
+        <p:spPr/>
+        <p:txBody>
+          <a:bodyPr/>
+          <a:lstStyle/>
+          <a:p>
+            <a:fld id="{9BF740CF-2981-4F5F-94B0-87A76F3E9898}" type="datetime1">
+              <a:rPr lang="pt-BR" smtClean="0"/>
+              <a:t>10/05/2019</a:t>
+            </a:fld>
+            <a:endParaRPr lang="pt-BR"/>
+          </a:p>
+        </p:txBody>
+      </p:sp>
+      <p:sp>
+        <p:nvSpPr>
+          <p:cNvPr id="3" name="Espaço Reservado para Rodapé 2">
+            <a:extLst>
+              <a:ext uri="{FF2B5EF4-FFF2-40B4-BE49-F238E27FC236}">
+                <a16:creationId xmlns:a16="http://schemas.microsoft.com/office/drawing/2014/main" id="{37AA3B48-AC65-4151-B1C9-DF3717B580F5}"/>
+              </a:ext>
+            </a:extLst>
+          </p:cNvPr>
+          <p:cNvSpPr>
+            <a:spLocks noGrp="1"/>
+          </p:cNvSpPr>
+          <p:nvPr>
+            <p:ph type="ftr" sz="quarter" idx="11"/>
+          </p:nvPr>
+        </p:nvSpPr>
+        <p:spPr/>
+        <p:txBody>
+          <a:bodyPr/>
+          <a:lstStyle/>
+          <a:p>
+            <a:r>
+              <a:rPr lang="pt-BR"/>
+              <a:t>Tecnologias para Internet - II  -  Prof.  André L. Braga</a:t>
+            </a:r>
+            <a:endParaRPr lang="pt-BR" dirty="0"/>
+          </a:p>
+        </p:txBody>
+      </p:sp>
+      <p:sp>
+        <p:nvSpPr>
+          <p:cNvPr id="4" name="Espaço Reservado para Número de Slide 3">
+            <a:extLst>
+              <a:ext uri="{FF2B5EF4-FFF2-40B4-BE49-F238E27FC236}">
+                <a16:creationId xmlns:a16="http://schemas.microsoft.com/office/drawing/2014/main" id="{9C55F005-6AC6-4A94-8953-F77E82F74A86}"/>
+              </a:ext>
+            </a:extLst>
+          </p:cNvPr>
+          <p:cNvSpPr>
+            <a:spLocks noGrp="1"/>
+          </p:cNvSpPr>
+          <p:nvPr>
+            <p:ph type="sldNum" sz="quarter" idx="12"/>
+          </p:nvPr>
+        </p:nvSpPr>
+        <p:spPr/>
+        <p:txBody>
+          <a:bodyPr/>
+          <a:lstStyle/>
+          <a:p>
+            <a:fld id="{733E8BE4-D61F-4D52-A9A4-24AB47FC0B80}" type="slidenum">
+              <a:rPr lang="pt-BR" smtClean="0"/>
+              <a:t>12</a:t>
             </a:fld>
             <a:endParaRPr lang="pt-BR"/>
           </a:p>
@@ -5617,7 +6171,7 @@
 </p:sld>
 </file>
 
-<file path=ppt/slides/slide12.xml><?xml version="1.0" encoding="utf-8"?>
+<file path=ppt/slides/slide13.xml><?xml version="1.0" encoding="utf-8"?>
 <p:sld xmlns:a="http://schemas.openxmlformats.org/drawingml/2006/main" xmlns:r="http://schemas.openxmlformats.org/officeDocument/2006/relationships" xmlns:p="http://schemas.openxmlformats.org/presentationml/2006/main">
   <p:cSld>
     <p:spTree>
@@ -5712,7 +6266,7 @@
           <a:p>
             <a:fld id="{DBE3F080-9489-48C3-8C8B-7461F9A59375}" type="datetime1">
               <a:rPr lang="pt-BR" smtClean="0"/>
-              <a:t>10/03/2019</a:t>
+              <a:t>10/05/2019</a:t>
             </a:fld>
             <a:endParaRPr lang="pt-BR"/>
           </a:p>
@@ -5770,7 +6324,7 @@
           <a:p>
             <a:fld id="{733E8BE4-D61F-4D52-A9A4-24AB47FC0B80}" type="slidenum">
               <a:rPr lang="pt-BR" smtClean="0"/>
-              <a:t>12</a:t>
+              <a:t>13</a:t>
             </a:fld>
             <a:endParaRPr lang="pt-BR"/>
           </a:p>
@@ -6060,7 +6614,7 @@
 </p:sld>
 </file>
 
-<file path=ppt/slides/slide13.xml><?xml version="1.0" encoding="utf-8"?>
+<file path=ppt/slides/slide14.xml><?xml version="1.0" encoding="utf-8"?>
 <p:sld xmlns:a="http://schemas.openxmlformats.org/drawingml/2006/main" xmlns:r="http://schemas.openxmlformats.org/officeDocument/2006/relationships" xmlns:p="http://schemas.openxmlformats.org/presentationml/2006/main">
   <p:cSld>
     <p:spTree>
@@ -6147,7 +6701,7 @@
           <a:p>
             <a:fld id="{E3B02374-FA94-4124-BA4C-CB5D574F166F}" type="datetime1">
               <a:rPr lang="pt-BR" smtClean="0"/>
-              <a:t>10/03/2019</a:t>
+              <a:t>10/05/2019</a:t>
             </a:fld>
             <a:endParaRPr lang="pt-BR"/>
           </a:p>
@@ -6205,7 +6759,7 @@
           <a:p>
             <a:fld id="{733E8BE4-D61F-4D52-A9A4-24AB47FC0B80}" type="slidenum">
               <a:rPr lang="pt-BR" smtClean="0"/>
-              <a:t>13</a:t>
+              <a:t>14</a:t>
             </a:fld>
             <a:endParaRPr lang="pt-BR"/>
           </a:p>
@@ -6370,7 +6924,7 @@
 </p:sld>
 </file>
 
-<file path=ppt/slides/slide14.xml><?xml version="1.0" encoding="utf-8"?>
+<file path=ppt/slides/slide15.xml><?xml version="1.0" encoding="utf-8"?>
 <p:sld xmlns:a="http://schemas.openxmlformats.org/drawingml/2006/main" xmlns:r="http://schemas.openxmlformats.org/officeDocument/2006/relationships" xmlns:p="http://schemas.openxmlformats.org/presentationml/2006/main">
   <p:cSld>
     <p:spTree>
@@ -6459,7 +7013,7 @@
           <a:p>
             <a:fld id="{48D6FA67-25B5-4660-8F94-9B7A19016346}" type="datetime1">
               <a:rPr lang="pt-BR" smtClean="0"/>
-              <a:t>10/03/2019</a:t>
+              <a:t>10/05/2019</a:t>
             </a:fld>
             <a:endParaRPr lang="pt-BR"/>
           </a:p>
@@ -6517,7 +7071,7 @@
           <a:p>
             <a:fld id="{733E8BE4-D61F-4D52-A9A4-24AB47FC0B80}" type="slidenum">
               <a:rPr lang="pt-BR" smtClean="0"/>
-              <a:t>14</a:t>
+              <a:t>15</a:t>
             </a:fld>
             <a:endParaRPr lang="pt-BR"/>
           </a:p>
@@ -6768,7 +7322,7 @@
 </p:sld>
 </file>
 
-<file path=ppt/slides/slide15.xml><?xml version="1.0" encoding="utf-8"?>
+<file path=ppt/slides/slide16.xml><?xml version="1.0" encoding="utf-8"?>
 <p:sld xmlns:a="http://schemas.openxmlformats.org/drawingml/2006/main" xmlns:r="http://schemas.openxmlformats.org/officeDocument/2006/relationships" xmlns:p="http://schemas.openxmlformats.org/presentationml/2006/main">
   <p:cSld>
     <p:spTree>
@@ -6862,7 +7416,7 @@
           <a:p>
             <a:fld id="{F84C0D72-50EC-4B83-B4C5-44366C9CE1BD}" type="datetime1">
               <a:rPr lang="pt-BR" smtClean="0"/>
-              <a:t>10/03/2019</a:t>
+              <a:t>10/05/2019</a:t>
             </a:fld>
             <a:endParaRPr lang="pt-BR"/>
           </a:p>
@@ -6920,7 +7474,7 @@
           <a:p>
             <a:fld id="{733E8BE4-D61F-4D52-A9A4-24AB47FC0B80}" type="slidenum">
               <a:rPr lang="pt-BR" smtClean="0"/>
-              <a:t>15</a:t>
+              <a:t>16</a:t>
             </a:fld>
             <a:endParaRPr lang="pt-BR"/>
           </a:p>
@@ -7133,7 +7687,7 @@
 </p:sld>
 </file>
 
-<file path=ppt/slides/slide16.xml><?xml version="1.0" encoding="utf-8"?>
+<file path=ppt/slides/slide17.xml><?xml version="1.0" encoding="utf-8"?>
 <p:sld xmlns:a="http://schemas.openxmlformats.org/drawingml/2006/main" xmlns:r="http://schemas.openxmlformats.org/officeDocument/2006/relationships" xmlns:p="http://schemas.openxmlformats.org/presentationml/2006/main">
   <p:cSld>
     <p:spTree>
@@ -7267,7 +7821,7 @@
           <a:p>
             <a:fld id="{F84C0D72-50EC-4B83-B4C5-44366C9CE1BD}" type="datetime1">
               <a:rPr lang="pt-BR" smtClean="0"/>
-              <a:t>10/03/2019</a:t>
+              <a:t>10/05/2019</a:t>
             </a:fld>
             <a:endParaRPr lang="pt-BR"/>
           </a:p>
@@ -7325,7 +7879,7 @@
           <a:p>
             <a:fld id="{733E8BE4-D61F-4D52-A9A4-24AB47FC0B80}" type="slidenum">
               <a:rPr lang="pt-BR" smtClean="0"/>
-              <a:t>16</a:t>
+              <a:t>17</a:t>
             </a:fld>
             <a:endParaRPr lang="pt-BR"/>
           </a:p>
@@ -7692,7 +8246,7 @@
           <a:p>
             <a:fld id="{66ED4467-497E-46D3-8F02-B62F1B068136}" type="datetime1">
               <a:rPr lang="pt-BR" smtClean="0"/>
-              <a:t>10/03/2019</a:t>
+              <a:t>10/05/2019</a:t>
             </a:fld>
             <a:endParaRPr lang="pt-BR"/>
           </a:p>
@@ -7786,13 +8340,30 @@
             </a:r>
             <a:r>
               <a:rPr lang="en-US" sz="6600" dirty="0"/>
+              <a:t> especiais</a:t>
+            </a:r>
+          </a:p>
+          <a:p>
+            <a:pPr marL="1200150" lvl="1" indent="-742950">
+              <a:buFont typeface="+mj-lt"/>
+              <a:buAutoNum type="romanUcPeriod"/>
+            </a:pPr>
+            <a:r>
+              <a:rPr lang="en-US" sz="6600" dirty="0" err="1"/>
+              <a:t>Variáveis</a:t>
+            </a:r>
+            <a:r>
+              <a:rPr lang="en-US" sz="6600" dirty="0"/>
               <a:t> </a:t>
             </a:r>
             <a:r>
               <a:rPr lang="en-US" sz="6600" dirty="0" err="1"/>
-              <a:t>especiais</a:t>
-            </a:r>
-            <a:endParaRPr lang="en-US" sz="6600" dirty="0"/>
+              <a:t>em</a:t>
+            </a:r>
+            <a:r>
+              <a:rPr lang="en-US" sz="6600" dirty="0"/>
+              <a:t> Strings</a:t>
+            </a:r>
           </a:p>
           <a:p>
             <a:pPr marL="742950" indent="-742950">
@@ -10423,7 +10994,7 @@
           <a:p>
             <a:fld id="{3D79C721-C921-4175-8BCF-DFF9FE942864}" type="datetime1">
               <a:rPr lang="pt-BR" smtClean="0"/>
-              <a:t>10/03/2019</a:t>
+              <a:t>10/05/2019</a:t>
             </a:fld>
             <a:endParaRPr lang="pt-BR"/>
           </a:p>
@@ -10950,7 +11521,7 @@
           <a:p>
             <a:fld id="{3D79C721-C921-4175-8BCF-DFF9FE942864}" type="datetime1">
               <a:rPr lang="pt-BR" smtClean="0"/>
-              <a:t>10/03/2019</a:t>
+              <a:t>10/05/2019</a:t>
             </a:fld>
             <a:endParaRPr lang="pt-BR"/>
           </a:p>
@@ -11357,7 +11928,7 @@
           <a:p>
             <a:fld id="{3D79C721-C921-4175-8BCF-DFF9FE942864}" type="datetime1">
               <a:rPr lang="pt-BR" smtClean="0"/>
-              <a:t>10/03/2019</a:t>
+              <a:t>10/05/2019</a:t>
             </a:fld>
             <a:endParaRPr lang="pt-BR"/>
           </a:p>
@@ -11826,7 +12397,7 @@
           <a:p>
             <a:fld id="{3D79C721-C921-4175-8BCF-DFF9FE942864}" type="datetime1">
               <a:rPr lang="pt-BR" smtClean="0"/>
-              <a:t>10/03/2019</a:t>
+              <a:t>10/05/2019</a:t>
             </a:fld>
             <a:endParaRPr lang="pt-BR"/>
           </a:p>
@@ -12312,7 +12883,7 @@
           <a:p>
             <a:fld id="{3D79C721-C921-4175-8BCF-DFF9FE942864}" type="datetime1">
               <a:rPr lang="pt-BR" smtClean="0"/>
-              <a:t>10/03/2019</a:t>
+              <a:t>10/05/2019</a:t>
             </a:fld>
             <a:endParaRPr lang="pt-BR"/>
           </a:p>
@@ -12865,7 +13436,7 @@
           <a:p>
             <a:fld id="{3D79C721-C921-4175-8BCF-DFF9FE942864}" type="datetime1">
               <a:rPr lang="pt-BR" smtClean="0"/>
-              <a:t>10/03/2019</a:t>
+              <a:t>10/05/2019</a:t>
             </a:fld>
             <a:endParaRPr lang="pt-BR"/>
           </a:p>
